--- a/20231210_ISO25030 品質要求事項/125_5.7_図8−ソフトウェア品質要求事項の定義及び分析.pptx
+++ b/20231210_ISO25030 品質要求事項/125_5.7_図8−ソフトウェア品質要求事項の定義及び分析.pptx
@@ -259,7 +259,7 @@
           <a:p>
             <a:fld id="{49E046F1-B442-4E6C-9647-2BC377608676}" type="datetimeFigureOut">
               <a:rPr kumimoji="1" lang="ja-JP" altLang="en-US" smtClean="0"/>
-              <a:t>2023/12/10</a:t>
+              <a:t>2023/12/11</a:t>
             </a:fld>
             <a:endParaRPr kumimoji="1" lang="ja-JP" altLang="en-US"/>
           </a:p>
@@ -489,7 +489,7 @@
           <a:p>
             <a:fld id="{49E046F1-B442-4E6C-9647-2BC377608676}" type="datetimeFigureOut">
               <a:rPr kumimoji="1" lang="ja-JP" altLang="en-US" smtClean="0"/>
-              <a:t>2023/12/10</a:t>
+              <a:t>2023/12/11</a:t>
             </a:fld>
             <a:endParaRPr kumimoji="1" lang="ja-JP" altLang="en-US"/>
           </a:p>
@@ -729,7 +729,7 @@
           <a:p>
             <a:fld id="{49E046F1-B442-4E6C-9647-2BC377608676}" type="datetimeFigureOut">
               <a:rPr kumimoji="1" lang="ja-JP" altLang="en-US" smtClean="0"/>
-              <a:t>2023/12/10</a:t>
+              <a:t>2023/12/11</a:t>
             </a:fld>
             <a:endParaRPr kumimoji="1" lang="ja-JP" altLang="en-US"/>
           </a:p>
@@ -959,7 +959,7 @@
           <a:p>
             <a:fld id="{49E046F1-B442-4E6C-9647-2BC377608676}" type="datetimeFigureOut">
               <a:rPr kumimoji="1" lang="ja-JP" altLang="en-US" smtClean="0"/>
-              <a:t>2023/12/10</a:t>
+              <a:t>2023/12/11</a:t>
             </a:fld>
             <a:endParaRPr kumimoji="1" lang="ja-JP" altLang="en-US"/>
           </a:p>
@@ -1234,7 +1234,7 @@
           <a:p>
             <a:fld id="{49E046F1-B442-4E6C-9647-2BC377608676}" type="datetimeFigureOut">
               <a:rPr kumimoji="1" lang="ja-JP" altLang="en-US" smtClean="0"/>
-              <a:t>2023/12/10</a:t>
+              <a:t>2023/12/11</a:t>
             </a:fld>
             <a:endParaRPr kumimoji="1" lang="ja-JP" altLang="en-US"/>
           </a:p>
@@ -1563,7 +1563,7 @@
           <a:p>
             <a:fld id="{49E046F1-B442-4E6C-9647-2BC377608676}" type="datetimeFigureOut">
               <a:rPr kumimoji="1" lang="ja-JP" altLang="en-US" smtClean="0"/>
-              <a:t>2023/12/10</a:t>
+              <a:t>2023/12/11</a:t>
             </a:fld>
             <a:endParaRPr kumimoji="1" lang="ja-JP" altLang="en-US"/>
           </a:p>
@@ -2039,7 +2039,7 @@
           <a:p>
             <a:fld id="{49E046F1-B442-4E6C-9647-2BC377608676}" type="datetimeFigureOut">
               <a:rPr kumimoji="1" lang="ja-JP" altLang="en-US" smtClean="0"/>
-              <a:t>2023/12/10</a:t>
+              <a:t>2023/12/11</a:t>
             </a:fld>
             <a:endParaRPr kumimoji="1" lang="ja-JP" altLang="en-US"/>
           </a:p>
@@ -2180,7 +2180,7 @@
           <a:p>
             <a:fld id="{49E046F1-B442-4E6C-9647-2BC377608676}" type="datetimeFigureOut">
               <a:rPr kumimoji="1" lang="ja-JP" altLang="en-US" smtClean="0"/>
-              <a:t>2023/12/10</a:t>
+              <a:t>2023/12/11</a:t>
             </a:fld>
             <a:endParaRPr kumimoji="1" lang="ja-JP" altLang="en-US"/>
           </a:p>
@@ -2293,7 +2293,7 @@
           <a:p>
             <a:fld id="{49E046F1-B442-4E6C-9647-2BC377608676}" type="datetimeFigureOut">
               <a:rPr kumimoji="1" lang="ja-JP" altLang="en-US" smtClean="0"/>
-              <a:t>2023/12/10</a:t>
+              <a:t>2023/12/11</a:t>
             </a:fld>
             <a:endParaRPr kumimoji="1" lang="ja-JP" altLang="en-US"/>
           </a:p>
@@ -2636,7 +2636,7 @@
           <a:p>
             <a:fld id="{49E046F1-B442-4E6C-9647-2BC377608676}" type="datetimeFigureOut">
               <a:rPr kumimoji="1" lang="ja-JP" altLang="en-US" smtClean="0"/>
-              <a:t>2023/12/10</a:t>
+              <a:t>2023/12/11</a:t>
             </a:fld>
             <a:endParaRPr kumimoji="1" lang="ja-JP" altLang="en-US"/>
           </a:p>
@@ -2924,7 +2924,7 @@
           <a:p>
             <a:fld id="{49E046F1-B442-4E6C-9647-2BC377608676}" type="datetimeFigureOut">
               <a:rPr kumimoji="1" lang="ja-JP" altLang="en-US" smtClean="0"/>
-              <a:t>2023/12/10</a:t>
+              <a:t>2023/12/11</a:t>
             </a:fld>
             <a:endParaRPr kumimoji="1" lang="ja-JP" altLang="en-US"/>
           </a:p>
@@ -3197,7 +3197,7 @@
           <a:p>
             <a:fld id="{49E046F1-B442-4E6C-9647-2BC377608676}" type="datetimeFigureOut">
               <a:rPr kumimoji="1" lang="ja-JP" altLang="en-US" smtClean="0"/>
-              <a:t>2023/12/10</a:t>
+              <a:t>2023/12/11</a:t>
             </a:fld>
             <a:endParaRPr kumimoji="1" lang="ja-JP" altLang="en-US"/>
           </a:p>
@@ -4085,7 +4085,7 @@
         </p:nvSpPr>
         <p:spPr>
           <a:xfrm>
-            <a:off x="2308910" y="2267770"/>
+            <a:off x="2308910" y="2258245"/>
             <a:ext cx="972000" cy="1080000"/>
           </a:xfrm>
           <a:prstGeom prst="rightArrow">
@@ -4175,7 +4175,7 @@
         </p:nvSpPr>
         <p:spPr>
           <a:xfrm>
-            <a:off x="5071013" y="2267770"/>
+            <a:off x="5071013" y="2277295"/>
             <a:ext cx="1116000" cy="1080000"/>
           </a:xfrm>
           <a:prstGeom prst="rightArrow">
@@ -4265,7 +4265,7 @@
         </p:nvSpPr>
         <p:spPr>
           <a:xfrm>
-            <a:off x="996973" y="2511076"/>
+            <a:off x="996973" y="2120551"/>
             <a:ext cx="1008000" cy="928625"/>
           </a:xfrm>
           <a:prstGeom prst="rect">
@@ -4475,7 +4475,7 @@
         </p:nvSpPr>
         <p:spPr>
           <a:xfrm>
-            <a:off x="3548055" y="2002023"/>
+            <a:off x="3548055" y="3164073"/>
             <a:ext cx="1285217" cy="288000"/>
           </a:xfrm>
           <a:prstGeom prst="rect">
@@ -4545,7 +4545,7 @@
         </p:nvSpPr>
         <p:spPr>
           <a:xfrm>
-            <a:off x="3548055" y="2379877"/>
+            <a:off x="3548055" y="1998877"/>
             <a:ext cx="1285217" cy="1059824"/>
           </a:xfrm>
           <a:prstGeom prst="rect">
@@ -5123,7 +5123,7 @@
         </p:nvSpPr>
         <p:spPr>
           <a:xfrm>
-            <a:off x="1032973" y="2125848"/>
+            <a:off x="1032973" y="3164073"/>
             <a:ext cx="936000" cy="288000"/>
           </a:xfrm>
           <a:prstGeom prst="rect">
